--- a/SEM 6/MAD/PPT/UNIT 5.pptx
+++ b/SEM 6/MAD/PPT/UNIT 5.pptx
@@ -356,7 +356,7 @@
             <a:fld id="{2F4DDB0A-0A40-4646-A776-D9ABD4B48683}" type="datetimeFigureOut">
               <a:rPr lang="en-US" smtClean="0"/>
               <a:pPr/>
-              <a:t>3/20/2024</a:t>
+              <a:t>3/21/2024</a:t>
             </a:fld>
             <a:endParaRPr lang="en-US"/>
           </a:p>
@@ -982,7 +982,7 @@
           <a:p>
             <a:fld id="{E127FBFD-B0BF-4217-B96C-35231DCE2789}" type="datetime1">
               <a:rPr lang="en-US" smtClean="0"/>
-              <a:t>3/20/2024</a:t>
+              <a:t>3/21/2024</a:t>
             </a:fld>
             <a:endParaRPr lang="en-US"/>
           </a:p>
@@ -1198,7 +1198,7 @@
           <a:p>
             <a:fld id="{51CE76CD-3888-4CED-892B-A9C6A2576F0D}" type="datetime1">
               <a:rPr lang="en-US" smtClean="0"/>
-              <a:t>3/20/2024</a:t>
+              <a:t>3/21/2024</a:t>
             </a:fld>
             <a:endParaRPr lang="en-US"/>
           </a:p>
@@ -1440,7 +1440,7 @@
           <a:p>
             <a:fld id="{1768D8B6-0993-4C34-B8BB-4C9299245A0A}" type="datetime1">
               <a:rPr lang="en-US" smtClean="0"/>
-              <a:t>3/20/2024</a:t>
+              <a:t>3/21/2024</a:t>
             </a:fld>
             <a:endParaRPr lang="en-US"/>
           </a:p>
@@ -1664,7 +1664,7 @@
           <a:p>
             <a:fld id="{7BA85341-DB87-4B2C-8C70-0D27BC520EE9}" type="datetime1">
               <a:rPr lang="en-US" smtClean="0"/>
-              <a:t>3/20/2024</a:t>
+              <a:t>3/21/2024</a:t>
             </a:fld>
             <a:endParaRPr lang="en-US"/>
           </a:p>
@@ -1905,7 +1905,7 @@
           <a:p>
             <a:fld id="{3B450A8D-661E-4B1B-8A6E-806426F53C60}" type="datetime1">
               <a:rPr lang="en-US" smtClean="0"/>
-              <a:t>3/20/2024</a:t>
+              <a:t>3/21/2024</a:t>
             </a:fld>
             <a:endParaRPr lang="en-US"/>
           </a:p>
@@ -2234,7 +2234,7 @@
           <a:p>
             <a:fld id="{ADA64FA2-DBAA-4EB5-97AF-A56AAEE804ED}" type="datetime1">
               <a:rPr lang="en-US" smtClean="0"/>
-              <a:t>3/20/2024</a:t>
+              <a:t>3/21/2024</a:t>
             </a:fld>
             <a:endParaRPr lang="en-US"/>
           </a:p>
@@ -2709,7 +2709,7 @@
           <a:p>
             <a:fld id="{9D0DE763-DD21-4AB3-B3F9-CB6B8FC4DFC3}" type="datetime1">
               <a:rPr lang="en-US" smtClean="0"/>
-              <a:t>3/20/2024</a:t>
+              <a:t>3/21/2024</a:t>
             </a:fld>
             <a:endParaRPr lang="en-US"/>
           </a:p>
@@ -2854,7 +2854,7 @@
           <a:p>
             <a:fld id="{2D84F438-4CB9-449D-84D9-848D513CF430}" type="datetime1">
               <a:rPr lang="en-US" smtClean="0"/>
-              <a:t>3/20/2024</a:t>
+              <a:t>3/21/2024</a:t>
             </a:fld>
             <a:endParaRPr lang="en-US"/>
           </a:p>
@@ -2961,7 +2961,7 @@
           <a:p>
             <a:fld id="{50CF774E-5C55-4E73-9784-8A3CE98A1BF5}" type="datetime1">
               <a:rPr lang="en-US" smtClean="0"/>
-              <a:t>3/20/2024</a:t>
+              <a:t>3/21/2024</a:t>
             </a:fld>
             <a:endParaRPr lang="en-US"/>
           </a:p>
@@ -3268,7 +3268,7 @@
           <a:p>
             <a:fld id="{2CED3983-677F-4C37-816C-66612EFDE680}" type="datetime1">
               <a:rPr lang="en-US" smtClean="0"/>
-              <a:t>3/20/2024</a:t>
+              <a:t>3/21/2024</a:t>
             </a:fld>
             <a:endParaRPr lang="en-US"/>
           </a:p>
@@ -3532,7 +3532,7 @@
           <a:p>
             <a:fld id="{C31071EF-DFB7-4A5B-AEC6-4774B56D15FC}" type="datetime1">
               <a:rPr lang="en-US" smtClean="0"/>
-              <a:t>3/20/2024</a:t>
+              <a:t>3/21/2024</a:t>
             </a:fld>
             <a:endParaRPr lang="en-US"/>
           </a:p>
@@ -3745,7 +3745,7 @@
           <a:p>
             <a:fld id="{5DCCC07C-216C-4DCF-BA3E-CEC2B4B42329}" type="datetime1">
               <a:rPr lang="en-US" smtClean="0"/>
-              <a:t>3/20/2024</a:t>
+              <a:t>3/21/2024</a:t>
             </a:fld>
             <a:endParaRPr lang="en-US"/>
           </a:p>

--- a/SEM 6/MAD/PPT/UNIT 5.pptx
+++ b/SEM 6/MAD/PPT/UNIT 5.pptx
@@ -356,7 +356,7 @@
             <a:fld id="{2F4DDB0A-0A40-4646-A776-D9ABD4B48683}" type="datetimeFigureOut">
               <a:rPr lang="en-US" smtClean="0"/>
               <a:pPr/>
-              <a:t>3/21/2024</a:t>
+              <a:t>3/24/2024</a:t>
             </a:fld>
             <a:endParaRPr lang="en-US"/>
           </a:p>
@@ -982,7 +982,7 @@
           <a:p>
             <a:fld id="{E127FBFD-B0BF-4217-B96C-35231DCE2789}" type="datetime1">
               <a:rPr lang="en-US" smtClean="0"/>
-              <a:t>3/21/2024</a:t>
+              <a:t>3/24/2024</a:t>
             </a:fld>
             <a:endParaRPr lang="en-US"/>
           </a:p>
@@ -1198,7 +1198,7 @@
           <a:p>
             <a:fld id="{51CE76CD-3888-4CED-892B-A9C6A2576F0D}" type="datetime1">
               <a:rPr lang="en-US" smtClean="0"/>
-              <a:t>3/21/2024</a:t>
+              <a:t>3/24/2024</a:t>
             </a:fld>
             <a:endParaRPr lang="en-US"/>
           </a:p>
@@ -1440,7 +1440,7 @@
           <a:p>
             <a:fld id="{1768D8B6-0993-4C34-B8BB-4C9299245A0A}" type="datetime1">
               <a:rPr lang="en-US" smtClean="0"/>
-              <a:t>3/21/2024</a:t>
+              <a:t>3/24/2024</a:t>
             </a:fld>
             <a:endParaRPr lang="en-US"/>
           </a:p>
@@ -1664,7 +1664,7 @@
           <a:p>
             <a:fld id="{7BA85341-DB87-4B2C-8C70-0D27BC520EE9}" type="datetime1">
               <a:rPr lang="en-US" smtClean="0"/>
-              <a:t>3/21/2024</a:t>
+              <a:t>3/24/2024</a:t>
             </a:fld>
             <a:endParaRPr lang="en-US"/>
           </a:p>
@@ -1905,7 +1905,7 @@
           <a:p>
             <a:fld id="{3B450A8D-661E-4B1B-8A6E-806426F53C60}" type="datetime1">
               <a:rPr lang="en-US" smtClean="0"/>
-              <a:t>3/21/2024</a:t>
+              <a:t>3/24/2024</a:t>
             </a:fld>
             <a:endParaRPr lang="en-US"/>
           </a:p>
@@ -2234,7 +2234,7 @@
           <a:p>
             <a:fld id="{ADA64FA2-DBAA-4EB5-97AF-A56AAEE804ED}" type="datetime1">
               <a:rPr lang="en-US" smtClean="0"/>
-              <a:t>3/21/2024</a:t>
+              <a:t>3/24/2024</a:t>
             </a:fld>
             <a:endParaRPr lang="en-US"/>
           </a:p>
@@ -2709,7 +2709,7 @@
           <a:p>
             <a:fld id="{9D0DE763-DD21-4AB3-B3F9-CB6B8FC4DFC3}" type="datetime1">
               <a:rPr lang="en-US" smtClean="0"/>
-              <a:t>3/21/2024</a:t>
+              <a:t>3/24/2024</a:t>
             </a:fld>
             <a:endParaRPr lang="en-US"/>
           </a:p>
@@ -2854,7 +2854,7 @@
           <a:p>
             <a:fld id="{2D84F438-4CB9-449D-84D9-848D513CF430}" type="datetime1">
               <a:rPr lang="en-US" smtClean="0"/>
-              <a:t>3/21/2024</a:t>
+              <a:t>3/24/2024</a:t>
             </a:fld>
             <a:endParaRPr lang="en-US"/>
           </a:p>
@@ -2961,7 +2961,7 @@
           <a:p>
             <a:fld id="{50CF774E-5C55-4E73-9784-8A3CE98A1BF5}" type="datetime1">
               <a:rPr lang="en-US" smtClean="0"/>
-              <a:t>3/21/2024</a:t>
+              <a:t>3/24/2024</a:t>
             </a:fld>
             <a:endParaRPr lang="en-US"/>
           </a:p>
@@ -3268,7 +3268,7 @@
           <a:p>
             <a:fld id="{2CED3983-677F-4C37-816C-66612EFDE680}" type="datetime1">
               <a:rPr lang="en-US" smtClean="0"/>
-              <a:t>3/21/2024</a:t>
+              <a:t>3/24/2024</a:t>
             </a:fld>
             <a:endParaRPr lang="en-US"/>
           </a:p>
@@ -3532,7 +3532,7 @@
           <a:p>
             <a:fld id="{C31071EF-DFB7-4A5B-AEC6-4774B56D15FC}" type="datetime1">
               <a:rPr lang="en-US" smtClean="0"/>
-              <a:t>3/21/2024</a:t>
+              <a:t>3/24/2024</a:t>
             </a:fld>
             <a:endParaRPr lang="en-US"/>
           </a:p>
@@ -3745,7 +3745,7 @@
           <a:p>
             <a:fld id="{5DCCC07C-216C-4DCF-BA3E-CEC2B4B42329}" type="datetime1">
               <a:rPr lang="en-US" smtClean="0"/>
-              <a:t>3/21/2024</a:t>
+              <a:t>3/24/2024</a:t>
             </a:fld>
             <a:endParaRPr lang="en-US"/>
           </a:p>
@@ -5802,15 +5802,7 @@
           <a:p>
             <a:r>
               <a:rPr lang="en-US" sz="2000" dirty="0"/>
-              <a:t>         public void </a:t>
-            </a:r>
-            <a:r>
-              <a:rPr lang="en-US" sz="2000" dirty="0" err="1"/>
-              <a:t>onClick</a:t>
-            </a:r>
-            <a:r>
-              <a:rPr lang="en-US" sz="2000" dirty="0"/>
-              <a:t>(View v) {  </a:t>
+              <a:t>         public void onClick(View v) {  </a:t>
             </a:r>
           </a:p>
           <a:p>
@@ -6519,7 +6511,7 @@
           <p:nvPr>
             <p:extLst>
               <p:ext uri="{D42A27DB-BD31-4B8C-83A1-F6EECF244321}">
-                <p14:modId xmlns:p14="http://schemas.microsoft.com/office/powerpoint/2010/main" val="3218782545"/>
+                <p14:modId xmlns:p14="http://schemas.microsoft.com/office/powerpoint/2010/main" val="324147152"/>
               </p:ext>
             </p:extLst>
           </p:nvPr>
@@ -6531,7 +6523,9 @@
         <a:graphic>
           <a:graphicData uri="http://schemas.openxmlformats.org/drawingml/2006/table">
             <a:tbl>
-              <a:tblPr/>
+              <a:tblPr>
+                <a:tableStyleId>{638B1855-1B75-4FBE-930C-398BA8C253C6}</a:tableStyleId>
+              </a:tblPr>
               <a:tblGrid>
                 <a:gridCol w="1374031">
                   <a:extLst>
@@ -6570,47 +6564,7 @@
                       </a:endParaRPr>
                     </a:p>
                   </a:txBody>
-                  <a:tcPr marL="76200" marR="76200" marT="76200" marB="76200">
-                    <a:lnL w="9525" cap="flat" cmpd="sng" algn="ctr">
-                      <a:solidFill>
-                        <a:srgbClr val="DDDDDD"/>
-                      </a:solidFill>
-                      <a:prstDash val="solid"/>
-                      <a:round/>
-                      <a:headEnd type="none" w="med" len="med"/>
-                      <a:tailEnd type="none" w="med" len="med"/>
-                    </a:lnL>
-                    <a:lnR w="9525" cap="flat" cmpd="sng" algn="ctr">
-                      <a:solidFill>
-                        <a:srgbClr val="DDDDDD"/>
-                      </a:solidFill>
-                      <a:prstDash val="solid"/>
-                      <a:round/>
-                      <a:headEnd type="none" w="med" len="med"/>
-                      <a:tailEnd type="none" w="med" len="med"/>
-                    </a:lnR>
-                    <a:lnT w="9525" cap="flat" cmpd="sng" algn="ctr">
-                      <a:solidFill>
-                        <a:srgbClr val="DDDDDD"/>
-                      </a:solidFill>
-                      <a:prstDash val="solid"/>
-                      <a:round/>
-                      <a:headEnd type="none" w="med" len="med"/>
-                      <a:tailEnd type="none" w="med" len="med"/>
-                    </a:lnT>
-                    <a:lnB w="9525" cap="flat" cmpd="sng" algn="ctr">
-                      <a:solidFill>
-                        <a:srgbClr val="DDDDDD"/>
-                      </a:solidFill>
-                      <a:prstDash val="solid"/>
-                      <a:round/>
-                      <a:headEnd type="none" w="med" len="med"/>
-                      <a:tailEnd type="none" w="med" len="med"/>
-                    </a:lnB>
-                    <a:solidFill>
-                      <a:srgbClr val="EEEEEE"/>
-                    </a:solidFill>
-                  </a:tcPr>
+                  <a:tcPr marL="76200" marR="76200" marT="76200" marB="76200"/>
                 </a:tc>
                 <a:tc>
                   <a:txBody>
@@ -6628,47 +6582,7 @@
                       </a:r>
                     </a:p>
                   </a:txBody>
-                  <a:tcPr marL="76200" marR="76200" marT="76200" marB="76200">
-                    <a:lnL w="9525" cap="flat" cmpd="sng" algn="ctr">
-                      <a:solidFill>
-                        <a:srgbClr val="DDDDDD"/>
-                      </a:solidFill>
-                      <a:prstDash val="solid"/>
-                      <a:round/>
-                      <a:headEnd type="none" w="med" len="med"/>
-                      <a:tailEnd type="none" w="med" len="med"/>
-                    </a:lnL>
-                    <a:lnR w="9525" cap="flat" cmpd="sng" algn="ctr">
-                      <a:solidFill>
-                        <a:srgbClr val="DDDDDD"/>
-                      </a:solidFill>
-                      <a:prstDash val="solid"/>
-                      <a:round/>
-                      <a:headEnd type="none" w="med" len="med"/>
-                      <a:tailEnd type="none" w="med" len="med"/>
-                    </a:lnR>
-                    <a:lnT w="9525" cap="flat" cmpd="sng" algn="ctr">
-                      <a:solidFill>
-                        <a:srgbClr val="DDDDDD"/>
-                      </a:solidFill>
-                      <a:prstDash val="solid"/>
-                      <a:round/>
-                      <a:headEnd type="none" w="med" len="med"/>
-                      <a:tailEnd type="none" w="med" len="med"/>
-                    </a:lnT>
-                    <a:lnB w="9525" cap="flat" cmpd="sng" algn="ctr">
-                      <a:solidFill>
-                        <a:srgbClr val="DDDDDD"/>
-                      </a:solidFill>
-                      <a:prstDash val="solid"/>
-                      <a:round/>
-                      <a:headEnd type="none" w="med" len="med"/>
-                      <a:tailEnd type="none" w="med" len="med"/>
-                    </a:lnB>
-                    <a:solidFill>
-                      <a:srgbClr val="EEEEEE"/>
-                    </a:solidFill>
-                  </a:tcPr>
+                  <a:tcPr marL="76200" marR="76200" marT="76200" marB="76200"/>
                 </a:tc>
                 <a:extLst>
                   <a:ext uri="{0D108BD9-81ED-4DB2-BD59-A6C34878D82A}">
@@ -6693,44 +6607,7 @@
                       </a:r>
                     </a:p>
                   </a:txBody>
-                  <a:tcPr marL="76200" marR="76200" marT="76200" marB="76200" anchor="ctr">
-                    <a:lnL w="9525" cap="flat" cmpd="sng" algn="ctr">
-                      <a:solidFill>
-                        <a:srgbClr val="DDDDDD"/>
-                      </a:solidFill>
-                      <a:prstDash val="solid"/>
-                      <a:round/>
-                      <a:headEnd type="none" w="med" len="med"/>
-                      <a:tailEnd type="none" w="med" len="med"/>
-                    </a:lnL>
-                    <a:lnR w="9525" cap="flat" cmpd="sng" algn="ctr">
-                      <a:solidFill>
-                        <a:srgbClr val="DDDDDD"/>
-                      </a:solidFill>
-                      <a:prstDash val="solid"/>
-                      <a:round/>
-                      <a:headEnd type="none" w="med" len="med"/>
-                      <a:tailEnd type="none" w="med" len="med"/>
-                    </a:lnR>
-                    <a:lnT w="9525" cap="flat" cmpd="sng" algn="ctr">
-                      <a:solidFill>
-                        <a:srgbClr val="DDDDDD"/>
-                      </a:solidFill>
-                      <a:prstDash val="solid"/>
-                      <a:round/>
-                      <a:headEnd type="none" w="med" len="med"/>
-                      <a:tailEnd type="none" w="med" len="med"/>
-                    </a:lnT>
-                    <a:lnB w="9525" cap="flat" cmpd="sng" algn="ctr">
-                      <a:solidFill>
-                        <a:srgbClr val="DDDDDD"/>
-                      </a:solidFill>
-                      <a:prstDash val="solid"/>
-                      <a:round/>
-                      <a:headEnd type="none" w="med" len="med"/>
-                      <a:tailEnd type="none" w="med" len="med"/>
-                    </a:lnB>
-                  </a:tcPr>
+                  <a:tcPr marL="76200" marR="76200" marT="76200" marB="76200" anchor="ctr"/>
                 </a:tc>
                 <a:tc>
                   <a:txBody>
@@ -6777,44 +6654,7 @@
                       </a:endParaRPr>
                     </a:p>
                   </a:txBody>
-                  <a:tcPr marL="76200" marR="76200" marT="76200" marB="76200">
-                    <a:lnL w="9525" cap="flat" cmpd="sng" algn="ctr">
-                      <a:solidFill>
-                        <a:srgbClr val="DDDDDD"/>
-                      </a:solidFill>
-                      <a:prstDash val="solid"/>
-                      <a:round/>
-                      <a:headEnd type="none" w="med" len="med"/>
-                      <a:tailEnd type="none" w="med" len="med"/>
-                    </a:lnL>
-                    <a:lnR w="9525" cap="flat" cmpd="sng" algn="ctr">
-                      <a:solidFill>
-                        <a:srgbClr val="DDDDDD"/>
-                      </a:solidFill>
-                      <a:prstDash val="solid"/>
-                      <a:round/>
-                      <a:headEnd type="none" w="med" len="med"/>
-                      <a:tailEnd type="none" w="med" len="med"/>
-                    </a:lnR>
-                    <a:lnT w="9525" cap="flat" cmpd="sng" algn="ctr">
-                      <a:solidFill>
-                        <a:srgbClr val="DDDDDD"/>
-                      </a:solidFill>
-                      <a:prstDash val="solid"/>
-                      <a:round/>
-                      <a:headEnd type="none" w="med" len="med"/>
-                      <a:tailEnd type="none" w="med" len="med"/>
-                    </a:lnT>
-                    <a:lnB w="9525" cap="flat" cmpd="sng" algn="ctr">
-                      <a:solidFill>
-                        <a:srgbClr val="DDDDDD"/>
-                      </a:solidFill>
-                      <a:prstDash val="solid"/>
-                      <a:round/>
-                      <a:headEnd type="none" w="med" len="med"/>
-                      <a:tailEnd type="none" w="med" len="med"/>
-                    </a:lnB>
-                  </a:tcPr>
+                  <a:tcPr marL="76200" marR="76200" marT="76200" marB="76200"/>
                 </a:tc>
                 <a:extLst>
                   <a:ext uri="{0D108BD9-81ED-4DB2-BD59-A6C34878D82A}">
@@ -6839,44 +6679,7 @@
                       </a:r>
                     </a:p>
                   </a:txBody>
-                  <a:tcPr marL="76200" marR="76200" marT="76200" marB="76200" anchor="ctr">
-                    <a:lnL w="9525" cap="flat" cmpd="sng" algn="ctr">
-                      <a:solidFill>
-                        <a:srgbClr val="DDDDDD"/>
-                      </a:solidFill>
-                      <a:prstDash val="solid"/>
-                      <a:round/>
-                      <a:headEnd type="none" w="med" len="med"/>
-                      <a:tailEnd type="none" w="med" len="med"/>
-                    </a:lnL>
-                    <a:lnR w="9525" cap="flat" cmpd="sng" algn="ctr">
-                      <a:solidFill>
-                        <a:srgbClr val="DDDDDD"/>
-                      </a:solidFill>
-                      <a:prstDash val="solid"/>
-                      <a:round/>
-                      <a:headEnd type="none" w="med" len="med"/>
-                      <a:tailEnd type="none" w="med" len="med"/>
-                    </a:lnR>
-                    <a:lnT w="9525" cap="flat" cmpd="sng" algn="ctr">
-                      <a:solidFill>
-                        <a:srgbClr val="DDDDDD"/>
-                      </a:solidFill>
-                      <a:prstDash val="solid"/>
-                      <a:round/>
-                      <a:headEnd type="none" w="med" len="med"/>
-                      <a:tailEnd type="none" w="med" len="med"/>
-                    </a:lnT>
-                    <a:lnB w="9525" cap="flat" cmpd="sng" algn="ctr">
-                      <a:solidFill>
-                        <a:srgbClr val="DDDDDD"/>
-                      </a:solidFill>
-                      <a:prstDash val="solid"/>
-                      <a:round/>
-                      <a:headEnd type="none" w="med" len="med"/>
-                      <a:tailEnd type="none" w="med" len="med"/>
-                    </a:lnB>
-                  </a:tcPr>
+                  <a:tcPr marL="76200" marR="76200" marT="76200" marB="76200" anchor="ctr"/>
                 </a:tc>
                 <a:tc>
                   <a:txBody>
@@ -6910,44 +6713,7 @@
                       </a:r>
                     </a:p>
                   </a:txBody>
-                  <a:tcPr marL="76200" marR="76200" marT="76200" marB="76200">
-                    <a:lnL w="9525" cap="flat" cmpd="sng" algn="ctr">
-                      <a:solidFill>
-                        <a:srgbClr val="DDDDDD"/>
-                      </a:solidFill>
-                      <a:prstDash val="solid"/>
-                      <a:round/>
-                      <a:headEnd type="none" w="med" len="med"/>
-                      <a:tailEnd type="none" w="med" len="med"/>
-                    </a:lnL>
-                    <a:lnR w="9525" cap="flat" cmpd="sng" algn="ctr">
-                      <a:solidFill>
-                        <a:srgbClr val="DDDDDD"/>
-                      </a:solidFill>
-                      <a:prstDash val="solid"/>
-                      <a:round/>
-                      <a:headEnd type="none" w="med" len="med"/>
-                      <a:tailEnd type="none" w="med" len="med"/>
-                    </a:lnR>
-                    <a:lnT w="9525" cap="flat" cmpd="sng" algn="ctr">
-                      <a:solidFill>
-                        <a:srgbClr val="DDDDDD"/>
-                      </a:solidFill>
-                      <a:prstDash val="solid"/>
-                      <a:round/>
-                      <a:headEnd type="none" w="med" len="med"/>
-                      <a:tailEnd type="none" w="med" len="med"/>
-                    </a:lnT>
-                    <a:lnB w="9525" cap="flat" cmpd="sng" algn="ctr">
-                      <a:solidFill>
-                        <a:srgbClr val="DDDDDD"/>
-                      </a:solidFill>
-                      <a:prstDash val="solid"/>
-                      <a:round/>
-                      <a:headEnd type="none" w="med" len="med"/>
-                      <a:tailEnd type="none" w="med" len="med"/>
-                    </a:lnB>
-                  </a:tcPr>
+                  <a:tcPr marL="76200" marR="76200" marT="76200" marB="76200"/>
                 </a:tc>
                 <a:extLst>
                   <a:ext uri="{0D108BD9-81ED-4DB2-BD59-A6C34878D82A}">
@@ -6972,44 +6738,7 @@
                       </a:r>
                     </a:p>
                   </a:txBody>
-                  <a:tcPr marL="76200" marR="76200" marT="76200" marB="76200" anchor="ctr">
-                    <a:lnL w="9525" cap="flat" cmpd="sng" algn="ctr">
-                      <a:solidFill>
-                        <a:srgbClr val="DDDDDD"/>
-                      </a:solidFill>
-                      <a:prstDash val="solid"/>
-                      <a:round/>
-                      <a:headEnd type="none" w="med" len="med"/>
-                      <a:tailEnd type="none" w="med" len="med"/>
-                    </a:lnL>
-                    <a:lnR w="9525" cap="flat" cmpd="sng" algn="ctr">
-                      <a:solidFill>
-                        <a:srgbClr val="DDDDDD"/>
-                      </a:solidFill>
-                      <a:prstDash val="solid"/>
-                      <a:round/>
-                      <a:headEnd type="none" w="med" len="med"/>
-                      <a:tailEnd type="none" w="med" len="med"/>
-                    </a:lnR>
-                    <a:lnT w="9525" cap="flat" cmpd="sng" algn="ctr">
-                      <a:solidFill>
-                        <a:srgbClr val="DDDDDD"/>
-                      </a:solidFill>
-                      <a:prstDash val="solid"/>
-                      <a:round/>
-                      <a:headEnd type="none" w="med" len="med"/>
-                      <a:tailEnd type="none" w="med" len="med"/>
-                    </a:lnT>
-                    <a:lnB w="9525" cap="flat" cmpd="sng" algn="ctr">
-                      <a:solidFill>
-                        <a:srgbClr val="DDDDDD"/>
-                      </a:solidFill>
-                      <a:prstDash val="solid"/>
-                      <a:round/>
-                      <a:headEnd type="none" w="med" len="med"/>
-                      <a:tailEnd type="none" w="med" len="med"/>
-                    </a:lnB>
-                  </a:tcPr>
+                  <a:tcPr marL="76200" marR="76200" marT="76200" marB="76200" anchor="ctr"/>
                 </a:tc>
                 <a:tc>
                   <a:txBody>
@@ -7043,44 +6772,7 @@
                       </a:r>
                     </a:p>
                   </a:txBody>
-                  <a:tcPr marL="76200" marR="76200" marT="76200" marB="76200">
-                    <a:lnL w="9525" cap="flat" cmpd="sng" algn="ctr">
-                      <a:solidFill>
-                        <a:srgbClr val="DDDDDD"/>
-                      </a:solidFill>
-                      <a:prstDash val="solid"/>
-                      <a:round/>
-                      <a:headEnd type="none" w="med" len="med"/>
-                      <a:tailEnd type="none" w="med" len="med"/>
-                    </a:lnL>
-                    <a:lnR w="9525" cap="flat" cmpd="sng" algn="ctr">
-                      <a:solidFill>
-                        <a:srgbClr val="DDDDDD"/>
-                      </a:solidFill>
-                      <a:prstDash val="solid"/>
-                      <a:round/>
-                      <a:headEnd type="none" w="med" len="med"/>
-                      <a:tailEnd type="none" w="med" len="med"/>
-                    </a:lnR>
-                    <a:lnT w="9525" cap="flat" cmpd="sng" algn="ctr">
-                      <a:solidFill>
-                        <a:srgbClr val="DDDDDD"/>
-                      </a:solidFill>
-                      <a:prstDash val="solid"/>
-                      <a:round/>
-                      <a:headEnd type="none" w="med" len="med"/>
-                      <a:tailEnd type="none" w="med" len="med"/>
-                    </a:lnT>
-                    <a:lnB w="9525" cap="flat" cmpd="sng" algn="ctr">
-                      <a:solidFill>
-                        <a:srgbClr val="DDDDDD"/>
-                      </a:solidFill>
-                      <a:prstDash val="solid"/>
-                      <a:round/>
-                      <a:headEnd type="none" w="med" len="med"/>
-                      <a:tailEnd type="none" w="med" len="med"/>
-                    </a:lnB>
-                  </a:tcPr>
+                  <a:tcPr marL="76200" marR="76200" marT="76200" marB="76200"/>
                 </a:tc>
                 <a:extLst>
                   <a:ext uri="{0D108BD9-81ED-4DB2-BD59-A6C34878D82A}">
@@ -7253,7 +6945,7 @@
           <p:nvPr>
             <p:extLst>
               <p:ext uri="{D42A27DB-BD31-4B8C-83A1-F6EECF244321}">
-                <p14:modId xmlns:p14="http://schemas.microsoft.com/office/powerpoint/2010/main" val="238189481"/>
+                <p14:modId xmlns:p14="http://schemas.microsoft.com/office/powerpoint/2010/main" val="193537396"/>
               </p:ext>
             </p:extLst>
           </p:nvPr>
@@ -7265,7 +6957,9 @@
         <a:graphic>
           <a:graphicData uri="http://schemas.openxmlformats.org/drawingml/2006/table">
             <a:tbl>
-              <a:tblPr/>
+              <a:tblPr>
+                <a:tableStyleId>{638B1855-1B75-4FBE-930C-398BA8C253C6}</a:tableStyleId>
+              </a:tblPr>
               <a:tblGrid>
                 <a:gridCol w="1418009">
                   <a:extLst>
@@ -7304,47 +6998,7 @@
                       </a:endParaRPr>
                     </a:p>
                   </a:txBody>
-                  <a:tcPr marL="39687" marR="39687" marT="39687" marB="39687">
-                    <a:lnL w="9525" cap="flat" cmpd="sng" algn="ctr">
-                      <a:solidFill>
-                        <a:srgbClr val="DDDDDD"/>
-                      </a:solidFill>
-                      <a:prstDash val="solid"/>
-                      <a:round/>
-                      <a:headEnd type="none" w="med" len="med"/>
-                      <a:tailEnd type="none" w="med" len="med"/>
-                    </a:lnL>
-                    <a:lnR w="9525" cap="flat" cmpd="sng" algn="ctr">
-                      <a:solidFill>
-                        <a:srgbClr val="DDDDDD"/>
-                      </a:solidFill>
-                      <a:prstDash val="solid"/>
-                      <a:round/>
-                      <a:headEnd type="none" w="med" len="med"/>
-                      <a:tailEnd type="none" w="med" len="med"/>
-                    </a:lnR>
-                    <a:lnT w="9525" cap="flat" cmpd="sng" algn="ctr">
-                      <a:solidFill>
-                        <a:srgbClr val="DDDDDD"/>
-                      </a:solidFill>
-                      <a:prstDash val="solid"/>
-                      <a:round/>
-                      <a:headEnd type="none" w="med" len="med"/>
-                      <a:tailEnd type="none" w="med" len="med"/>
-                    </a:lnT>
-                    <a:lnB w="9525" cap="flat" cmpd="sng" algn="ctr">
-                      <a:solidFill>
-                        <a:srgbClr val="DDDDDD"/>
-                      </a:solidFill>
-                      <a:prstDash val="solid"/>
-                      <a:round/>
-                      <a:headEnd type="none" w="med" len="med"/>
-                      <a:tailEnd type="none" w="med" len="med"/>
-                    </a:lnB>
-                    <a:solidFill>
-                      <a:srgbClr val="EEEEEE"/>
-                    </a:solidFill>
-                  </a:tcPr>
+                  <a:tcPr marL="39687" marR="39687" marT="39687" marB="39687"/>
                 </a:tc>
                 <a:tc>
                   <a:txBody>
@@ -7353,7 +7007,7 @@
                     <a:p>
                       <a:pPr algn="ctr" fontAlgn="t"/>
                       <a:r>
-                        <a:rPr lang="en-US" sz="1400">
+                        <a:rPr lang="en-US" sz="1400" dirty="0">
                           <a:solidFill>
                             <a:schemeClr val="bg1"/>
                           </a:solidFill>
@@ -7362,47 +7016,7 @@
                       </a:r>
                     </a:p>
                   </a:txBody>
-                  <a:tcPr marL="39687" marR="39687" marT="39687" marB="39687">
-                    <a:lnL w="9525" cap="flat" cmpd="sng" algn="ctr">
-                      <a:solidFill>
-                        <a:srgbClr val="DDDDDD"/>
-                      </a:solidFill>
-                      <a:prstDash val="solid"/>
-                      <a:round/>
-                      <a:headEnd type="none" w="med" len="med"/>
-                      <a:tailEnd type="none" w="med" len="med"/>
-                    </a:lnL>
-                    <a:lnR w="9525" cap="flat" cmpd="sng" algn="ctr">
-                      <a:solidFill>
-                        <a:srgbClr val="DDDDDD"/>
-                      </a:solidFill>
-                      <a:prstDash val="solid"/>
-                      <a:round/>
-                      <a:headEnd type="none" w="med" len="med"/>
-                      <a:tailEnd type="none" w="med" len="med"/>
-                    </a:lnR>
-                    <a:lnT w="9525" cap="flat" cmpd="sng" algn="ctr">
-                      <a:solidFill>
-                        <a:srgbClr val="DDDDDD"/>
-                      </a:solidFill>
-                      <a:prstDash val="solid"/>
-                      <a:round/>
-                      <a:headEnd type="none" w="med" len="med"/>
-                      <a:tailEnd type="none" w="med" len="med"/>
-                    </a:lnT>
-                    <a:lnB w="9525" cap="flat" cmpd="sng" algn="ctr">
-                      <a:solidFill>
-                        <a:srgbClr val="DDDDDD"/>
-                      </a:solidFill>
-                      <a:prstDash val="solid"/>
-                      <a:round/>
-                      <a:headEnd type="none" w="med" len="med"/>
-                      <a:tailEnd type="none" w="med" len="med"/>
-                    </a:lnB>
-                    <a:solidFill>
-                      <a:srgbClr val="EEEEEE"/>
-                    </a:solidFill>
-                  </a:tcPr>
+                  <a:tcPr marL="39687" marR="39687" marT="39687" marB="39687"/>
                 </a:tc>
                 <a:extLst>
                   <a:ext uri="{0D108BD9-81ED-4DB2-BD59-A6C34878D82A}">
@@ -7427,44 +7041,7 @@
                       </a:r>
                     </a:p>
                   </a:txBody>
-                  <a:tcPr marL="39687" marR="39687" marT="39687" marB="39687" anchor="ctr">
-                    <a:lnL w="9525" cap="flat" cmpd="sng" algn="ctr">
-                      <a:solidFill>
-                        <a:srgbClr val="DDDDDD"/>
-                      </a:solidFill>
-                      <a:prstDash val="solid"/>
-                      <a:round/>
-                      <a:headEnd type="none" w="med" len="med"/>
-                      <a:tailEnd type="none" w="med" len="med"/>
-                    </a:lnL>
-                    <a:lnR w="9525" cap="flat" cmpd="sng" algn="ctr">
-                      <a:solidFill>
-                        <a:srgbClr val="DDDDDD"/>
-                      </a:solidFill>
-                      <a:prstDash val="solid"/>
-                      <a:round/>
-                      <a:headEnd type="none" w="med" len="med"/>
-                      <a:tailEnd type="none" w="med" len="med"/>
-                    </a:lnR>
-                    <a:lnT w="9525" cap="flat" cmpd="sng" algn="ctr">
-                      <a:solidFill>
-                        <a:srgbClr val="DDDDDD"/>
-                      </a:solidFill>
-                      <a:prstDash val="solid"/>
-                      <a:round/>
-                      <a:headEnd type="none" w="med" len="med"/>
-                      <a:tailEnd type="none" w="med" len="med"/>
-                    </a:lnT>
-                    <a:lnB w="9525" cap="flat" cmpd="sng" algn="ctr">
-                      <a:solidFill>
-                        <a:srgbClr val="DDDDDD"/>
-                      </a:solidFill>
-                      <a:prstDash val="solid"/>
-                      <a:round/>
-                      <a:headEnd type="none" w="med" len="med"/>
-                      <a:tailEnd type="none" w="med" len="med"/>
-                    </a:lnB>
-                  </a:tcPr>
+                  <a:tcPr marL="39687" marR="39687" marT="39687" marB="39687" anchor="ctr"/>
                 </a:tc>
                 <a:tc>
                   <a:txBody>
@@ -7498,44 +7075,7 @@
                       </a:r>
                     </a:p>
                   </a:txBody>
-                  <a:tcPr marL="39687" marR="39687" marT="39687" marB="39687">
-                    <a:lnL w="9525" cap="flat" cmpd="sng" algn="ctr">
-                      <a:solidFill>
-                        <a:srgbClr val="DDDDDD"/>
-                      </a:solidFill>
-                      <a:prstDash val="solid"/>
-                      <a:round/>
-                      <a:headEnd type="none" w="med" len="med"/>
-                      <a:tailEnd type="none" w="med" len="med"/>
-                    </a:lnL>
-                    <a:lnR w="9525" cap="flat" cmpd="sng" algn="ctr">
-                      <a:solidFill>
-                        <a:srgbClr val="DDDDDD"/>
-                      </a:solidFill>
-                      <a:prstDash val="solid"/>
-                      <a:round/>
-                      <a:headEnd type="none" w="med" len="med"/>
-                      <a:tailEnd type="none" w="med" len="med"/>
-                    </a:lnR>
-                    <a:lnT w="9525" cap="flat" cmpd="sng" algn="ctr">
-                      <a:solidFill>
-                        <a:srgbClr val="DDDDDD"/>
-                      </a:solidFill>
-                      <a:prstDash val="solid"/>
-                      <a:round/>
-                      <a:headEnd type="none" w="med" len="med"/>
-                      <a:tailEnd type="none" w="med" len="med"/>
-                    </a:lnT>
-                    <a:lnB w="9525" cap="flat" cmpd="sng" algn="ctr">
-                      <a:solidFill>
-                        <a:srgbClr val="DDDDDD"/>
-                      </a:solidFill>
-                      <a:prstDash val="solid"/>
-                      <a:round/>
-                      <a:headEnd type="none" w="med" len="med"/>
-                      <a:tailEnd type="none" w="med" len="med"/>
-                    </a:lnB>
-                  </a:tcPr>
+                  <a:tcPr marL="39687" marR="39687" marT="39687" marB="39687"/>
                 </a:tc>
                 <a:extLst>
                   <a:ext uri="{0D108BD9-81ED-4DB2-BD59-A6C34878D82A}">
@@ -7560,44 +7100,7 @@
                       </a:r>
                     </a:p>
                   </a:txBody>
-                  <a:tcPr marL="39687" marR="39687" marT="39687" marB="39687" anchor="ctr">
-                    <a:lnL w="9525" cap="flat" cmpd="sng" algn="ctr">
-                      <a:solidFill>
-                        <a:srgbClr val="DDDDDD"/>
-                      </a:solidFill>
-                      <a:prstDash val="solid"/>
-                      <a:round/>
-                      <a:headEnd type="none" w="med" len="med"/>
-                      <a:tailEnd type="none" w="med" len="med"/>
-                    </a:lnL>
-                    <a:lnR w="9525" cap="flat" cmpd="sng" algn="ctr">
-                      <a:solidFill>
-                        <a:srgbClr val="DDDDDD"/>
-                      </a:solidFill>
-                      <a:prstDash val="solid"/>
-                      <a:round/>
-                      <a:headEnd type="none" w="med" len="med"/>
-                      <a:tailEnd type="none" w="med" len="med"/>
-                    </a:lnR>
-                    <a:lnT w="9525" cap="flat" cmpd="sng" algn="ctr">
-                      <a:solidFill>
-                        <a:srgbClr val="DDDDDD"/>
-                      </a:solidFill>
-                      <a:prstDash val="solid"/>
-                      <a:round/>
-                      <a:headEnd type="none" w="med" len="med"/>
-                      <a:tailEnd type="none" w="med" len="med"/>
-                    </a:lnT>
-                    <a:lnB w="9525" cap="flat" cmpd="sng" algn="ctr">
-                      <a:solidFill>
-                        <a:srgbClr val="DDDDDD"/>
-                      </a:solidFill>
-                      <a:prstDash val="solid"/>
-                      <a:round/>
-                      <a:headEnd type="none" w="med" len="med"/>
-                      <a:tailEnd type="none" w="med" len="med"/>
-                    </a:lnB>
-                  </a:tcPr>
+                  <a:tcPr marL="39687" marR="39687" marT="39687" marB="39687" anchor="ctr"/>
                 </a:tc>
                 <a:tc>
                   <a:txBody>
@@ -7639,44 +7142,7 @@
                       </a:r>
                     </a:p>
                   </a:txBody>
-                  <a:tcPr marL="39687" marR="39687" marT="39687" marB="39687">
-                    <a:lnL w="9525" cap="flat" cmpd="sng" algn="ctr">
-                      <a:solidFill>
-                        <a:srgbClr val="DDDDDD"/>
-                      </a:solidFill>
-                      <a:prstDash val="solid"/>
-                      <a:round/>
-                      <a:headEnd type="none" w="med" len="med"/>
-                      <a:tailEnd type="none" w="med" len="med"/>
-                    </a:lnL>
-                    <a:lnR w="9525" cap="flat" cmpd="sng" algn="ctr">
-                      <a:solidFill>
-                        <a:srgbClr val="DDDDDD"/>
-                      </a:solidFill>
-                      <a:prstDash val="solid"/>
-                      <a:round/>
-                      <a:headEnd type="none" w="med" len="med"/>
-                      <a:tailEnd type="none" w="med" len="med"/>
-                    </a:lnR>
-                    <a:lnT w="9525" cap="flat" cmpd="sng" algn="ctr">
-                      <a:solidFill>
-                        <a:srgbClr val="DDDDDD"/>
-                      </a:solidFill>
-                      <a:prstDash val="solid"/>
-                      <a:round/>
-                      <a:headEnd type="none" w="med" len="med"/>
-                      <a:tailEnd type="none" w="med" len="med"/>
-                    </a:lnT>
-                    <a:lnB w="9525" cap="flat" cmpd="sng" algn="ctr">
-                      <a:solidFill>
-                        <a:srgbClr val="DDDDDD"/>
-                      </a:solidFill>
-                      <a:prstDash val="solid"/>
-                      <a:round/>
-                      <a:headEnd type="none" w="med" len="med"/>
-                      <a:tailEnd type="none" w="med" len="med"/>
-                    </a:lnB>
-                  </a:tcPr>
+                  <a:tcPr marL="39687" marR="39687" marT="39687" marB="39687"/>
                 </a:tc>
                 <a:extLst>
                   <a:ext uri="{0D108BD9-81ED-4DB2-BD59-A6C34878D82A}">
@@ -7701,44 +7167,7 @@
                       </a:r>
                     </a:p>
                   </a:txBody>
-                  <a:tcPr marL="39687" marR="39687" marT="39687" marB="39687" anchor="ctr">
-                    <a:lnL w="9525" cap="flat" cmpd="sng" algn="ctr">
-                      <a:solidFill>
-                        <a:srgbClr val="DDDDDD"/>
-                      </a:solidFill>
-                      <a:prstDash val="solid"/>
-                      <a:round/>
-                      <a:headEnd type="none" w="med" len="med"/>
-                      <a:tailEnd type="none" w="med" len="med"/>
-                    </a:lnL>
-                    <a:lnR w="9525" cap="flat" cmpd="sng" algn="ctr">
-                      <a:solidFill>
-                        <a:srgbClr val="DDDDDD"/>
-                      </a:solidFill>
-                      <a:prstDash val="solid"/>
-                      <a:round/>
-                      <a:headEnd type="none" w="med" len="med"/>
-                      <a:tailEnd type="none" w="med" len="med"/>
-                    </a:lnR>
-                    <a:lnT w="9525" cap="flat" cmpd="sng" algn="ctr">
-                      <a:solidFill>
-                        <a:srgbClr val="DDDDDD"/>
-                      </a:solidFill>
-                      <a:prstDash val="solid"/>
-                      <a:round/>
-                      <a:headEnd type="none" w="med" len="med"/>
-                      <a:tailEnd type="none" w="med" len="med"/>
-                    </a:lnT>
-                    <a:lnB w="9525" cap="flat" cmpd="sng" algn="ctr">
-                      <a:solidFill>
-                        <a:srgbClr val="DDDDDD"/>
-                      </a:solidFill>
-                      <a:prstDash val="solid"/>
-                      <a:round/>
-                      <a:headEnd type="none" w="med" len="med"/>
-                      <a:tailEnd type="none" w="med" len="med"/>
-                    </a:lnB>
-                  </a:tcPr>
+                  <a:tcPr marL="39687" marR="39687" marT="39687" marB="39687" anchor="ctr"/>
                 </a:tc>
                 <a:tc>
                   <a:txBody>
@@ -7772,44 +7201,7 @@
                       </a:r>
                     </a:p>
                   </a:txBody>
-                  <a:tcPr marL="39687" marR="39687" marT="39687" marB="39687">
-                    <a:lnL w="9525" cap="flat" cmpd="sng" algn="ctr">
-                      <a:solidFill>
-                        <a:srgbClr val="DDDDDD"/>
-                      </a:solidFill>
-                      <a:prstDash val="solid"/>
-                      <a:round/>
-                      <a:headEnd type="none" w="med" len="med"/>
-                      <a:tailEnd type="none" w="med" len="med"/>
-                    </a:lnL>
-                    <a:lnR w="9525" cap="flat" cmpd="sng" algn="ctr">
-                      <a:solidFill>
-                        <a:srgbClr val="DDDDDD"/>
-                      </a:solidFill>
-                      <a:prstDash val="solid"/>
-                      <a:round/>
-                      <a:headEnd type="none" w="med" len="med"/>
-                      <a:tailEnd type="none" w="med" len="med"/>
-                    </a:lnR>
-                    <a:lnT w="9525" cap="flat" cmpd="sng" algn="ctr">
-                      <a:solidFill>
-                        <a:srgbClr val="DDDDDD"/>
-                      </a:solidFill>
-                      <a:prstDash val="solid"/>
-                      <a:round/>
-                      <a:headEnd type="none" w="med" len="med"/>
-                      <a:tailEnd type="none" w="med" len="med"/>
-                    </a:lnT>
-                    <a:lnB w="9525" cap="flat" cmpd="sng" algn="ctr">
-                      <a:solidFill>
-                        <a:srgbClr val="DDDDDD"/>
-                      </a:solidFill>
-                      <a:prstDash val="solid"/>
-                      <a:round/>
-                      <a:headEnd type="none" w="med" len="med"/>
-                      <a:tailEnd type="none" w="med" len="med"/>
-                    </a:lnB>
-                  </a:tcPr>
+                  <a:tcPr marL="39687" marR="39687" marT="39687" marB="39687"/>
                 </a:tc>
                 <a:extLst>
                   <a:ext uri="{0D108BD9-81ED-4DB2-BD59-A6C34878D82A}">
@@ -7834,44 +7226,7 @@
                       </a:r>
                     </a:p>
                   </a:txBody>
-                  <a:tcPr marL="39687" marR="39687" marT="39687" marB="39687" anchor="ctr">
-                    <a:lnL w="9525" cap="flat" cmpd="sng" algn="ctr">
-                      <a:solidFill>
-                        <a:srgbClr val="DDDDDD"/>
-                      </a:solidFill>
-                      <a:prstDash val="solid"/>
-                      <a:round/>
-                      <a:headEnd type="none" w="med" len="med"/>
-                      <a:tailEnd type="none" w="med" len="med"/>
-                    </a:lnL>
-                    <a:lnR w="9525" cap="flat" cmpd="sng" algn="ctr">
-                      <a:solidFill>
-                        <a:srgbClr val="DDDDDD"/>
-                      </a:solidFill>
-                      <a:prstDash val="solid"/>
-                      <a:round/>
-                      <a:headEnd type="none" w="med" len="med"/>
-                      <a:tailEnd type="none" w="med" len="med"/>
-                    </a:lnR>
-                    <a:lnT w="9525" cap="flat" cmpd="sng" algn="ctr">
-                      <a:solidFill>
-                        <a:srgbClr val="DDDDDD"/>
-                      </a:solidFill>
-                      <a:prstDash val="solid"/>
-                      <a:round/>
-                      <a:headEnd type="none" w="med" len="med"/>
-                      <a:tailEnd type="none" w="med" len="med"/>
-                    </a:lnT>
-                    <a:lnB w="9525" cap="flat" cmpd="sng" algn="ctr">
-                      <a:solidFill>
-                        <a:srgbClr val="DDDDDD"/>
-                      </a:solidFill>
-                      <a:prstDash val="solid"/>
-                      <a:round/>
-                      <a:headEnd type="none" w="med" len="med"/>
-                      <a:tailEnd type="none" w="med" len="med"/>
-                    </a:lnB>
-                  </a:tcPr>
+                  <a:tcPr marL="39687" marR="39687" marT="39687" marB="39687" anchor="ctr"/>
                 </a:tc>
                 <a:tc>
                   <a:txBody>
@@ -7913,44 +7268,7 @@
                       </a:r>
                     </a:p>
                   </a:txBody>
-                  <a:tcPr marL="39687" marR="39687" marT="39687" marB="39687">
-                    <a:lnL w="9525" cap="flat" cmpd="sng" algn="ctr">
-                      <a:solidFill>
-                        <a:srgbClr val="DDDDDD"/>
-                      </a:solidFill>
-                      <a:prstDash val="solid"/>
-                      <a:round/>
-                      <a:headEnd type="none" w="med" len="med"/>
-                      <a:tailEnd type="none" w="med" len="med"/>
-                    </a:lnL>
-                    <a:lnR w="9525" cap="flat" cmpd="sng" algn="ctr">
-                      <a:solidFill>
-                        <a:srgbClr val="DDDDDD"/>
-                      </a:solidFill>
-                      <a:prstDash val="solid"/>
-                      <a:round/>
-                      <a:headEnd type="none" w="med" len="med"/>
-                      <a:tailEnd type="none" w="med" len="med"/>
-                    </a:lnR>
-                    <a:lnT w="9525" cap="flat" cmpd="sng" algn="ctr">
-                      <a:solidFill>
-                        <a:srgbClr val="DDDDDD"/>
-                      </a:solidFill>
-                      <a:prstDash val="solid"/>
-                      <a:round/>
-                      <a:headEnd type="none" w="med" len="med"/>
-                      <a:tailEnd type="none" w="med" len="med"/>
-                    </a:lnT>
-                    <a:lnB w="9525" cap="flat" cmpd="sng" algn="ctr">
-                      <a:solidFill>
-                        <a:srgbClr val="DDDDDD"/>
-                      </a:solidFill>
-                      <a:prstDash val="solid"/>
-                      <a:round/>
-                      <a:headEnd type="none" w="med" len="med"/>
-                      <a:tailEnd type="none" w="med" len="med"/>
-                    </a:lnB>
-                  </a:tcPr>
+                  <a:tcPr marL="39687" marR="39687" marT="39687" marB="39687"/>
                 </a:tc>
                 <a:extLst>
                   <a:ext uri="{0D108BD9-81ED-4DB2-BD59-A6C34878D82A}">
@@ -7975,44 +7293,7 @@
                       </a:r>
                     </a:p>
                   </a:txBody>
-                  <a:tcPr marL="39687" marR="39687" marT="39687" marB="39687" anchor="ctr">
-                    <a:lnL w="9525" cap="flat" cmpd="sng" algn="ctr">
-                      <a:solidFill>
-                        <a:srgbClr val="DDDDDD"/>
-                      </a:solidFill>
-                      <a:prstDash val="solid"/>
-                      <a:round/>
-                      <a:headEnd type="none" w="med" len="med"/>
-                      <a:tailEnd type="none" w="med" len="med"/>
-                    </a:lnL>
-                    <a:lnR w="9525" cap="flat" cmpd="sng" algn="ctr">
-                      <a:solidFill>
-                        <a:srgbClr val="DDDDDD"/>
-                      </a:solidFill>
-                      <a:prstDash val="solid"/>
-                      <a:round/>
-                      <a:headEnd type="none" w="med" len="med"/>
-                      <a:tailEnd type="none" w="med" len="med"/>
-                    </a:lnR>
-                    <a:lnT w="9525" cap="flat" cmpd="sng" algn="ctr">
-                      <a:solidFill>
-                        <a:srgbClr val="DDDDDD"/>
-                      </a:solidFill>
-                      <a:prstDash val="solid"/>
-                      <a:round/>
-                      <a:headEnd type="none" w="med" len="med"/>
-                      <a:tailEnd type="none" w="med" len="med"/>
-                    </a:lnT>
-                    <a:lnB w="9525" cap="flat" cmpd="sng" algn="ctr">
-                      <a:solidFill>
-                        <a:srgbClr val="DDDDDD"/>
-                      </a:solidFill>
-                      <a:prstDash val="solid"/>
-                      <a:round/>
-                      <a:headEnd type="none" w="med" len="med"/>
-                      <a:tailEnd type="none" w="med" len="med"/>
-                    </a:lnB>
-                  </a:tcPr>
+                  <a:tcPr marL="39687" marR="39687" marT="39687" marB="39687" anchor="ctr"/>
                 </a:tc>
                 <a:tc>
                   <a:txBody>
@@ -8054,44 +7335,7 @@
                       </a:r>
                     </a:p>
                   </a:txBody>
-                  <a:tcPr marL="39687" marR="39687" marT="39687" marB="39687">
-                    <a:lnL w="9525" cap="flat" cmpd="sng" algn="ctr">
-                      <a:solidFill>
-                        <a:srgbClr val="DDDDDD"/>
-                      </a:solidFill>
-                      <a:prstDash val="solid"/>
-                      <a:round/>
-                      <a:headEnd type="none" w="med" len="med"/>
-                      <a:tailEnd type="none" w="med" len="med"/>
-                    </a:lnL>
-                    <a:lnR w="9525" cap="flat" cmpd="sng" algn="ctr">
-                      <a:solidFill>
-                        <a:srgbClr val="DDDDDD"/>
-                      </a:solidFill>
-                      <a:prstDash val="solid"/>
-                      <a:round/>
-                      <a:headEnd type="none" w="med" len="med"/>
-                      <a:tailEnd type="none" w="med" len="med"/>
-                    </a:lnR>
-                    <a:lnT w="9525" cap="flat" cmpd="sng" algn="ctr">
-                      <a:solidFill>
-                        <a:srgbClr val="DDDDDD"/>
-                      </a:solidFill>
-                      <a:prstDash val="solid"/>
-                      <a:round/>
-                      <a:headEnd type="none" w="med" len="med"/>
-                      <a:tailEnd type="none" w="med" len="med"/>
-                    </a:lnT>
-                    <a:lnB w="9525" cap="flat" cmpd="sng" algn="ctr">
-                      <a:solidFill>
-                        <a:srgbClr val="DDDDDD"/>
-                      </a:solidFill>
-                      <a:prstDash val="solid"/>
-                      <a:round/>
-                      <a:headEnd type="none" w="med" len="med"/>
-                      <a:tailEnd type="none" w="med" len="med"/>
-                    </a:lnB>
-                  </a:tcPr>
+                  <a:tcPr marL="39687" marR="39687" marT="39687" marB="39687"/>
                 </a:tc>
                 <a:extLst>
                   <a:ext uri="{0D108BD9-81ED-4DB2-BD59-A6C34878D82A}">
@@ -8116,44 +7360,7 @@
                       </a:r>
                     </a:p>
                   </a:txBody>
-                  <a:tcPr marL="39687" marR="39687" marT="39687" marB="39687" anchor="ctr">
-                    <a:lnL w="9525" cap="flat" cmpd="sng" algn="ctr">
-                      <a:solidFill>
-                        <a:srgbClr val="DDDDDD"/>
-                      </a:solidFill>
-                      <a:prstDash val="solid"/>
-                      <a:round/>
-                      <a:headEnd type="none" w="med" len="med"/>
-                      <a:tailEnd type="none" w="med" len="med"/>
-                    </a:lnL>
-                    <a:lnR w="9525" cap="flat" cmpd="sng" algn="ctr">
-                      <a:solidFill>
-                        <a:srgbClr val="DDDDDD"/>
-                      </a:solidFill>
-                      <a:prstDash val="solid"/>
-                      <a:round/>
-                      <a:headEnd type="none" w="med" len="med"/>
-                      <a:tailEnd type="none" w="med" len="med"/>
-                    </a:lnR>
-                    <a:lnT w="9525" cap="flat" cmpd="sng" algn="ctr">
-                      <a:solidFill>
-                        <a:srgbClr val="DDDDDD"/>
-                      </a:solidFill>
-                      <a:prstDash val="solid"/>
-                      <a:round/>
-                      <a:headEnd type="none" w="med" len="med"/>
-                      <a:tailEnd type="none" w="med" len="med"/>
-                    </a:lnT>
-                    <a:lnB w="9525" cap="flat" cmpd="sng" algn="ctr">
-                      <a:solidFill>
-                        <a:srgbClr val="DDDDDD"/>
-                      </a:solidFill>
-                      <a:prstDash val="solid"/>
-                      <a:round/>
-                      <a:headEnd type="none" w="med" len="med"/>
-                      <a:tailEnd type="none" w="med" len="med"/>
-                    </a:lnB>
-                  </a:tcPr>
+                  <a:tcPr marL="39687" marR="39687" marT="39687" marB="39687" anchor="ctr"/>
                 </a:tc>
                 <a:tc>
                   <a:txBody>
@@ -8195,44 +7402,7 @@
                       </a:r>
                     </a:p>
                   </a:txBody>
-                  <a:tcPr marL="39687" marR="39687" marT="39687" marB="39687">
-                    <a:lnL w="9525" cap="flat" cmpd="sng" algn="ctr">
-                      <a:solidFill>
-                        <a:srgbClr val="DDDDDD"/>
-                      </a:solidFill>
-                      <a:prstDash val="solid"/>
-                      <a:round/>
-                      <a:headEnd type="none" w="med" len="med"/>
-                      <a:tailEnd type="none" w="med" len="med"/>
-                    </a:lnL>
-                    <a:lnR w="9525" cap="flat" cmpd="sng" algn="ctr">
-                      <a:solidFill>
-                        <a:srgbClr val="DDDDDD"/>
-                      </a:solidFill>
-                      <a:prstDash val="solid"/>
-                      <a:round/>
-                      <a:headEnd type="none" w="med" len="med"/>
-                      <a:tailEnd type="none" w="med" len="med"/>
-                    </a:lnR>
-                    <a:lnT w="9525" cap="flat" cmpd="sng" algn="ctr">
-                      <a:solidFill>
-                        <a:srgbClr val="DDDDDD"/>
-                      </a:solidFill>
-                      <a:prstDash val="solid"/>
-                      <a:round/>
-                      <a:headEnd type="none" w="med" len="med"/>
-                      <a:tailEnd type="none" w="med" len="med"/>
-                    </a:lnT>
-                    <a:lnB w="9525" cap="flat" cmpd="sng" algn="ctr">
-                      <a:solidFill>
-                        <a:srgbClr val="DDDDDD"/>
-                      </a:solidFill>
-                      <a:prstDash val="solid"/>
-                      <a:round/>
-                      <a:headEnd type="none" w="med" len="med"/>
-                      <a:tailEnd type="none" w="med" len="med"/>
-                    </a:lnB>
-                  </a:tcPr>
+                  <a:tcPr marL="39687" marR="39687" marT="39687" marB="39687"/>
                 </a:tc>
                 <a:extLst>
                   <a:ext uri="{0D108BD9-81ED-4DB2-BD59-A6C34878D82A}">
@@ -8257,44 +7427,7 @@
                       </a:r>
                     </a:p>
                   </a:txBody>
-                  <a:tcPr marL="39687" marR="39687" marT="39687" marB="39687" anchor="ctr">
-                    <a:lnL w="9525" cap="flat" cmpd="sng" algn="ctr">
-                      <a:solidFill>
-                        <a:srgbClr val="DDDDDD"/>
-                      </a:solidFill>
-                      <a:prstDash val="solid"/>
-                      <a:round/>
-                      <a:headEnd type="none" w="med" len="med"/>
-                      <a:tailEnd type="none" w="med" len="med"/>
-                    </a:lnL>
-                    <a:lnR w="9525" cap="flat" cmpd="sng" algn="ctr">
-                      <a:solidFill>
-                        <a:srgbClr val="DDDDDD"/>
-                      </a:solidFill>
-                      <a:prstDash val="solid"/>
-                      <a:round/>
-                      <a:headEnd type="none" w="med" len="med"/>
-                      <a:tailEnd type="none" w="med" len="med"/>
-                    </a:lnR>
-                    <a:lnT w="9525" cap="flat" cmpd="sng" algn="ctr">
-                      <a:solidFill>
-                        <a:srgbClr val="DDDDDD"/>
-                      </a:solidFill>
-                      <a:prstDash val="solid"/>
-                      <a:round/>
-                      <a:headEnd type="none" w="med" len="med"/>
-                      <a:tailEnd type="none" w="med" len="med"/>
-                    </a:lnT>
-                    <a:lnB w="9525" cap="flat" cmpd="sng" algn="ctr">
-                      <a:solidFill>
-                        <a:srgbClr val="DDDDDD"/>
-                      </a:solidFill>
-                      <a:prstDash val="solid"/>
-                      <a:round/>
-                      <a:headEnd type="none" w="med" len="med"/>
-                      <a:tailEnd type="none" w="med" len="med"/>
-                    </a:lnB>
-                  </a:tcPr>
+                  <a:tcPr marL="39687" marR="39687" marT="39687" marB="39687" anchor="ctr"/>
                 </a:tc>
                 <a:tc>
                   <a:txBody>
@@ -8336,44 +7469,7 @@
                       </a:r>
                     </a:p>
                   </a:txBody>
-                  <a:tcPr marL="39687" marR="39687" marT="39687" marB="39687">
-                    <a:lnL w="9525" cap="flat" cmpd="sng" algn="ctr">
-                      <a:solidFill>
-                        <a:srgbClr val="DDDDDD"/>
-                      </a:solidFill>
-                      <a:prstDash val="solid"/>
-                      <a:round/>
-                      <a:headEnd type="none" w="med" len="med"/>
-                      <a:tailEnd type="none" w="med" len="med"/>
-                    </a:lnL>
-                    <a:lnR w="9525" cap="flat" cmpd="sng" algn="ctr">
-                      <a:solidFill>
-                        <a:srgbClr val="DDDDDD"/>
-                      </a:solidFill>
-                      <a:prstDash val="solid"/>
-                      <a:round/>
-                      <a:headEnd type="none" w="med" len="med"/>
-                      <a:tailEnd type="none" w="med" len="med"/>
-                    </a:lnR>
-                    <a:lnT w="9525" cap="flat" cmpd="sng" algn="ctr">
-                      <a:solidFill>
-                        <a:srgbClr val="DDDDDD"/>
-                      </a:solidFill>
-                      <a:prstDash val="solid"/>
-                      <a:round/>
-                      <a:headEnd type="none" w="med" len="med"/>
-                      <a:tailEnd type="none" w="med" len="med"/>
-                    </a:lnT>
-                    <a:lnB w="9525" cap="flat" cmpd="sng" algn="ctr">
-                      <a:solidFill>
-                        <a:srgbClr val="DDDDDD"/>
-                      </a:solidFill>
-                      <a:prstDash val="solid"/>
-                      <a:round/>
-                      <a:headEnd type="none" w="med" len="med"/>
-                      <a:tailEnd type="none" w="med" len="med"/>
-                    </a:lnB>
-                  </a:tcPr>
+                  <a:tcPr marL="39687" marR="39687" marT="39687" marB="39687"/>
                 </a:tc>
                 <a:extLst>
                   <a:ext uri="{0D108BD9-81ED-4DB2-BD59-A6C34878D82A}">
@@ -13561,15 +12657,7 @@
             </a:br>
             <a:r>
               <a:rPr lang="en-US" sz="1900" dirty="0"/>
-              <a:t>        public void </a:t>
-            </a:r>
-            <a:r>
-              <a:rPr lang="en-US" sz="1900" dirty="0" err="1"/>
-              <a:t>onClick</a:t>
-            </a:r>
-            <a:r>
-              <a:rPr lang="en-US" sz="1900" dirty="0"/>
-              <a:t>(View v) {</a:t>
+              <a:t>        public void onClick(View v) {</a:t>
             </a:r>
             <a:br>
               <a:rPr lang="en-US" sz="1900" dirty="0"/>
@@ -13631,15 +12719,7 @@
             </a:r>
             <a:r>
               <a:rPr lang="en-US" sz="1900" b="1" dirty="0"/>
-              <a:t>().</a:t>
-            </a:r>
-            <a:r>
-              <a:rPr lang="en-US" sz="1900" b="1" dirty="0" err="1"/>
-              <a:t>toString</a:t>
-            </a:r>
-            <a:r>
-              <a:rPr lang="en-US" sz="1900" b="1" dirty="0"/>
-              <a:t>();</a:t>
+              <a:t>().toString();</a:t>
             </a:r>
             <a:br>
               <a:rPr lang="en-US" sz="1900" b="1" dirty="0"/>
@@ -14388,15 +13468,7 @@
             </a:r>
             <a:r>
               <a:rPr lang="en-US" sz="1800" dirty="0"/>
-              <a:t>().</a:t>
-            </a:r>
-            <a:r>
-              <a:rPr lang="en-US" sz="1800" dirty="0" err="1"/>
-              <a:t>toString</a:t>
-            </a:r>
-            <a:r>
-              <a:rPr lang="en-US" sz="1800" dirty="0"/>
-              <a:t>()+ " seconds");    </a:t>
+              <a:t>().toString()+ " seconds");    </a:t>
             </a:r>
             <a:r>
               <a:rPr lang="en-US" sz="1800" dirty="0">
@@ -17806,45 +16878,30 @@
           <a:p>
             <a:r>
               <a:rPr lang="en-US" sz="2000" dirty="0">
-                <a:solidFill>
-                  <a:srgbClr val="111111"/>
-                </a:solidFill>
                 <a:latin typeface="Roboto" panose="02000000000000000000" pitchFamily="2" charset="0"/>
               </a:rPr>
               <a:t>Each </a:t>
             </a:r>
             <a:r>
               <a:rPr lang="en-US" sz="2000" dirty="0" err="1">
-                <a:solidFill>
-                  <a:srgbClr val="111111"/>
-                </a:solidFill>
                 <a:latin typeface="Roboto" panose="02000000000000000000" pitchFamily="2" charset="0"/>
               </a:rPr>
               <a:t>TextToSpeech</a:t>
             </a:r>
             <a:r>
               <a:rPr lang="en-US" sz="2000" dirty="0">
-                <a:solidFill>
-                  <a:srgbClr val="111111"/>
-                </a:solidFill>
                 <a:latin typeface="Roboto" panose="02000000000000000000" pitchFamily="2" charset="0"/>
               </a:rPr>
               <a:t> instance can manage its own queue in order to control which utterance will </a:t>
             </a:r>
             <a:r>
               <a:rPr lang="en-US" sz="2000" b="1" dirty="0">
-                <a:solidFill>
-                  <a:srgbClr val="111111"/>
-                </a:solidFill>
                 <a:latin typeface="Roboto" panose="02000000000000000000" pitchFamily="2" charset="0"/>
               </a:rPr>
               <a:t>interrupt</a:t>
             </a:r>
             <a:r>
               <a:rPr lang="en-US" sz="2000" dirty="0">
-                <a:solidFill>
-                  <a:srgbClr val="111111"/>
-                </a:solidFill>
                 <a:latin typeface="Roboto" panose="02000000000000000000" pitchFamily="2" charset="0"/>
               </a:rPr>
               <a:t> the current one and which one is simply queued. Here the first speak () request would interrupt whatever was currently being synthesized: the queue is flushed and the new utterance is queued.</a:t>
@@ -18560,19 +17617,7 @@
               <a:rPr lang="en-US" sz="1800" dirty="0">
                 <a:latin typeface="Times New Roman" panose="02020603050405020304" pitchFamily="18" charset="0"/>
               </a:rPr>
-              <a:t>public void </a:t>
-            </a:r>
-            <a:r>
-              <a:rPr lang="en-US" sz="1800" dirty="0" err="1">
-                <a:latin typeface="Times New Roman" panose="02020603050405020304" pitchFamily="18" charset="0"/>
-              </a:rPr>
-              <a:t>onClick</a:t>
-            </a:r>
-            <a:r>
-              <a:rPr lang="en-US" sz="1800" dirty="0">
-                <a:latin typeface="Times New Roman" panose="02020603050405020304" pitchFamily="18" charset="0"/>
-              </a:rPr>
-              <a:t>(View view) { </a:t>
+              <a:t>public void onClick(View view) { </a:t>
             </a:r>
           </a:p>
           <a:p>
@@ -22972,23 +22017,7 @@
             </a:r>
             <a:r>
               <a:rPr lang="en-US" sz="2000" dirty="0"/>
-              <a:t> </a:t>
-            </a:r>
-            <a:r>
-              <a:rPr lang="en-US" sz="2000" dirty="0" err="1"/>
-              <a:t>onClick</a:t>
-            </a:r>
-            <a:r>
-              <a:rPr lang="en-US" sz="2000" dirty="0"/>
-              <a:t>(View </a:t>
-            </a:r>
-            <a:r>
-              <a:rPr lang="en-US" sz="2000" dirty="0" err="1"/>
-              <a:t>view</a:t>
-            </a:r>
-            <a:r>
-              <a:rPr lang="en-US" sz="2000" dirty="0"/>
-              <a:t>) {  </a:t>
+              <a:t> onClick(View view) {  </a:t>
             </a:r>
           </a:p>
           <a:p>
@@ -23010,15 +22039,7 @@
             </a:r>
             <a:r>
               <a:rPr lang="en-US" sz="2000" dirty="0"/>
-              <a:t>().</a:t>
-            </a:r>
-            <a:r>
-              <a:rPr lang="en-US" sz="2000" dirty="0" err="1"/>
-              <a:t>toString</a:t>
-            </a:r>
-            <a:r>
-              <a:rPr lang="en-US" sz="2000" dirty="0"/>
-              <a:t>();  </a:t>
+              <a:t>().toString();  </a:t>
             </a:r>
           </a:p>
           <a:p>
@@ -23678,15 +22699,7 @@
             </a:r>
             <a:r>
               <a:rPr lang="en-US" dirty="0"/>
-              <a:t> </a:t>
-            </a:r>
-            <a:r>
-              <a:rPr lang="en-US" dirty="0" err="1"/>
-              <a:t>OnClickListener</a:t>
-            </a:r>
-            <a:r>
-              <a:rPr lang="en-US" dirty="0"/>
-              <a:t>(){  </a:t>
+              <a:t> OnClickListener(){  </a:t>
             </a:r>
           </a:p>
           <a:p>
@@ -23720,29 +22733,13 @@
             </a:r>
             <a:r>
               <a:rPr lang="en-US" dirty="0"/>
-              <a:t> </a:t>
-            </a:r>
-            <a:r>
-              <a:rPr lang="en-US" dirty="0" err="1"/>
-              <a:t>onClick</a:t>
-            </a:r>
-            <a:r>
-              <a:rPr lang="en-US" dirty="0"/>
-              <a:t>(View v) {  </a:t>
-            </a:r>
-          </a:p>
-          <a:p>
-            <a:r>
-              <a:rPr lang="en-US" dirty="0"/>
-              <a:t>                String number=edittext1.getText().</a:t>
-            </a:r>
-            <a:r>
-              <a:rPr lang="en-US" dirty="0" err="1"/>
-              <a:t>toString</a:t>
-            </a:r>
-            <a:r>
-              <a:rPr lang="en-US" dirty="0"/>
-              <a:t>();  </a:t>
+              <a:t> onClick(View v) {  </a:t>
+            </a:r>
+          </a:p>
+          <a:p>
+            <a:r>
+              <a:rPr lang="en-US" dirty="0"/>
+              <a:t>                String number=edittext1.getText().toString();  </a:t>
             </a:r>
           </a:p>
           <a:p>
@@ -24830,12 +23827,8 @@
               <a:t>public void </a:t>
             </a:r>
             <a:r>
-              <a:rPr lang="en-US" dirty="0" err="1"/>
-              <a:t>onClick</a:t>
-            </a:r>
-            <a:r>
-              <a:rPr lang="en-US" dirty="0"/>
-              <a:t>(View v) {</a:t>
+              <a:rPr lang="en-US" dirty="0"/>
+              <a:t>onClick(View v) {</a:t>
             </a:r>
             <a:br>
               <a:rPr lang="en-US" dirty="0"/>
@@ -24850,15 +23843,7 @@
             </a:r>
             <a:r>
               <a:rPr lang="en-US" dirty="0"/>
-              <a:t>.getText().</a:t>
-            </a:r>
-            <a:r>
-              <a:rPr lang="en-US" dirty="0" err="1"/>
-              <a:t>toString</a:t>
-            </a:r>
-            <a:r>
-              <a:rPr lang="en-US" dirty="0"/>
-              <a:t>();</a:t>
+              <a:t>.getText().toString();</a:t>
             </a:r>
             <a:br>
               <a:rPr lang="en-US" dirty="0"/>
@@ -26699,23 +25684,7 @@
                 <a:ea typeface="Calibri" panose="020F0502020204030204" pitchFamily="34" charset="0"/>
                 <a:cs typeface="Calibri" panose="020F0502020204030204" pitchFamily="34" charset="0"/>
               </a:rPr>
-              <a:t>    </a:t>
-            </a:r>
-            <a:r>
-              <a:rPr lang="en-US" sz="1800" dirty="0" err="1">
-                <a:latin typeface="Calibri" panose="020F0502020204030204" pitchFamily="34" charset="0"/>
-                <a:ea typeface="Calibri" panose="020F0502020204030204" pitchFamily="34" charset="0"/>
-                <a:cs typeface="Calibri" panose="020F0502020204030204" pitchFamily="34" charset="0"/>
-              </a:rPr>
-              <a:t>int</a:t>
-            </a:r>
-            <a:r>
-              <a:rPr lang="en-US" sz="1800" dirty="0">
-                <a:latin typeface="Calibri" panose="020F0502020204030204" pitchFamily="34" charset="0"/>
-                <a:ea typeface="Calibri" panose="020F0502020204030204" pitchFamily="34" charset="0"/>
-                <a:cs typeface="Calibri" panose="020F0502020204030204" pitchFamily="34" charset="0"/>
-              </a:rPr>
-              <a:t>  </a:t>
+              <a:t>    int  </a:t>
             </a:r>
             <a:r>
               <a:rPr lang="en-US" sz="1800" dirty="0" err="1">
@@ -27010,23 +25979,7 @@
                 <a:ea typeface="Calibri" panose="020F0502020204030204" pitchFamily="34" charset="0"/>
                 <a:cs typeface="Calibri" panose="020F0502020204030204" pitchFamily="34" charset="0"/>
               </a:rPr>
-              <a:t>            public void </a:t>
-            </a:r>
-            <a:r>
-              <a:rPr lang="en-US" sz="1800" dirty="0" err="1">
-                <a:latin typeface="Calibri" panose="020F0502020204030204" pitchFamily="34" charset="0"/>
-                <a:ea typeface="Calibri" panose="020F0502020204030204" pitchFamily="34" charset="0"/>
-                <a:cs typeface="Calibri" panose="020F0502020204030204" pitchFamily="34" charset="0"/>
-              </a:rPr>
-              <a:t>onClick</a:t>
-            </a:r>
-            <a:r>
-              <a:rPr lang="en-US" sz="1800" dirty="0">
-                <a:latin typeface="Calibri" panose="020F0502020204030204" pitchFamily="34" charset="0"/>
-                <a:ea typeface="Calibri" panose="020F0502020204030204" pitchFamily="34" charset="0"/>
-                <a:cs typeface="Calibri" panose="020F0502020204030204" pitchFamily="34" charset="0"/>
-              </a:rPr>
-              <a:t>(View v) {</a:t>
+              <a:t>            public void onClick(View v) {</a:t>
             </a:r>
             <a:br>
               <a:rPr lang="en-US" sz="1800" dirty="0">
@@ -28465,15 +27418,7 @@
             </a:br>
             <a:r>
               <a:rPr lang="en-US" sz="2000" dirty="0"/>
-              <a:t>    public void </a:t>
-            </a:r>
-            <a:r>
-              <a:rPr lang="en-US" sz="2000" dirty="0" err="1"/>
-              <a:t>onClick</a:t>
-            </a:r>
-            <a:r>
-              <a:rPr lang="en-US" sz="2000" dirty="0"/>
-              <a:t>(View v) {</a:t>
+              <a:t>    public void onClick(View v) {</a:t>
             </a:r>
             <a:br>
               <a:rPr lang="en-US" sz="2000" dirty="0"/>
@@ -29310,15 +28255,7 @@
             </a:r>
             <a:r>
               <a:rPr lang="en-US" sz="2300" dirty="0"/>
-              <a:t>  button1.setOnClickListener(new </a:t>
-            </a:r>
-            <a:r>
-              <a:rPr lang="en-US" sz="2300" dirty="0" err="1"/>
-              <a:t>OnClickListener</a:t>
-            </a:r>
-            <a:r>
-              <a:rPr lang="en-US" sz="2300" dirty="0"/>
-              <a:t>() {  </a:t>
+              <a:t>  button1.setOnClickListener(new OnClickListener() {  </a:t>
             </a:r>
           </a:p>
           <a:p>
@@ -29330,15 +28267,7 @@
           <a:p>
             <a:r>
               <a:rPr lang="en-US" sz="2300" dirty="0"/>
-              <a:t>            public void </a:t>
-            </a:r>
-            <a:r>
-              <a:rPr lang="en-US" sz="2300" dirty="0" err="1"/>
-              <a:t>onClick</a:t>
-            </a:r>
-            <a:r>
-              <a:rPr lang="en-US" sz="2300" dirty="0"/>
-              <a:t>(View arg0) {  </a:t>
+              <a:t>            public void onClick(View arg0) {  </a:t>
             </a:r>
           </a:p>
           <a:p>
@@ -29682,23 +28611,7 @@
                   <a:srgbClr val="FF0000"/>
                 </a:solidFill>
               </a:rPr>
-              <a:t>().</a:t>
-            </a:r>
-            <a:r>
-              <a:rPr lang="en-US" sz="2300" dirty="0" err="1">
-                <a:solidFill>
-                  <a:srgbClr val="FF0000"/>
-                </a:solidFill>
-              </a:rPr>
-              <a:t>toString</a:t>
-            </a:r>
-            <a:r>
-              <a:rPr lang="en-US" sz="2300" dirty="0">
-                <a:solidFill>
-                  <a:srgbClr val="FF0000"/>
-                </a:solidFill>
-              </a:rPr>
-              <a:t>(),</a:t>
+              <a:t>().toString(),</a:t>
             </a:r>
             <a:r>
               <a:rPr lang="en-US" sz="2300" dirty="0" err="1">
@@ -29854,15 +28767,7 @@
             </a:r>
             <a:r>
               <a:rPr lang="en-US" sz="1800" dirty="0"/>
-              <a:t> </a:t>
-            </a:r>
-            <a:r>
-              <a:rPr lang="en-US" sz="1800" dirty="0" err="1"/>
-              <a:t>OnClickListener</a:t>
-            </a:r>
-            <a:r>
-              <a:rPr lang="en-US" sz="1800" dirty="0"/>
-              <a:t>() {  </a:t>
+              <a:t> OnClickListener() {  </a:t>
             </a:r>
           </a:p>
           <a:p>
@@ -29890,29 +28795,13 @@
             </a:r>
             <a:r>
               <a:rPr lang="en-US" sz="1800" dirty="0"/>
-              <a:t> </a:t>
-            </a:r>
-            <a:r>
-              <a:rPr lang="en-US" sz="1800" dirty="0" err="1"/>
-              <a:t>onClick</a:t>
-            </a:r>
+              <a:t> onClick(View  v) {  </a:t>
+            </a:r>
+          </a:p>
+          <a:p>
             <a:r>
               <a:rPr lang="en-US" sz="1800" dirty="0"/>
-              <a:t>(View  v) {  </a:t>
-            </a:r>
-          </a:p>
-          <a:p>
-            <a:r>
-              <a:rPr lang="en-US" sz="1800" dirty="0"/>
-              <a:t>                    String msg=editText1.getText().</a:t>
-            </a:r>
-            <a:r>
-              <a:rPr lang="en-US" sz="1800" dirty="0" err="1"/>
-              <a:t>toString</a:t>
-            </a:r>
-            <a:r>
-              <a:rPr lang="en-US" sz="1800" dirty="0"/>
-              <a:t>();  </a:t>
+              <a:t>                    String msg=editText1.getText().toString();  </a:t>
             </a:r>
           </a:p>
           <a:p>
@@ -29969,20 +28858,12 @@
               <a:t>// </a:t>
             </a:r>
             <a:r>
-              <a:rPr lang="en-US" sz="1800" b="1" dirty="0" err="1">
-                <a:solidFill>
-                  <a:srgbClr val="FF0000"/>
-                </a:solidFill>
-              </a:rPr>
-              <a:t>setresult</a:t>
-            </a:r>
-            <a:r>
               <a:rPr lang="en-US" sz="1800" b="1" dirty="0">
                 <a:solidFill>
                   <a:srgbClr val="FF0000"/>
                 </a:solidFill>
               </a:rPr>
-              <a:t> Method</a:t>
+              <a:t>setresult Method</a:t>
             </a:r>
             <a:r>
               <a:rPr lang="en-US" sz="1800" dirty="0">
@@ -30192,15 +29073,7 @@
           <a:p>
             <a:r>
               <a:rPr lang="en-US" dirty="0"/>
-              <a:t> button1.setOnClickListener(new </a:t>
-            </a:r>
-            <a:r>
-              <a:rPr lang="en-US" dirty="0" err="1"/>
-              <a:t>OnClickListener</a:t>
-            </a:r>
-            <a:r>
-              <a:rPr lang="en-US" dirty="0"/>
-              <a:t>() {  </a:t>
+              <a:t> button1.setOnClickListener(new OnClickListener() {  </a:t>
             </a:r>
           </a:p>
           <a:p>
@@ -30212,15 +29085,7 @@
           <a:p>
             <a:r>
               <a:rPr lang="en-US" dirty="0"/>
-              <a:t>            public void </a:t>
-            </a:r>
-            <a:r>
-              <a:rPr lang="en-US" dirty="0" err="1"/>
-              <a:t>onClick</a:t>
-            </a:r>
-            <a:r>
-              <a:rPr lang="en-US" dirty="0"/>
-              <a:t>(View v1) {  </a:t>
+              <a:t>            public void onClick(View v1) {  </a:t>
             </a:r>
           </a:p>
           <a:p>
@@ -30237,15 +29102,7 @@
             </a:r>
             <a:r>
               <a:rPr lang="en-US" dirty="0"/>
-              <a:t>(e1.getText().</a:t>
-            </a:r>
-            <a:r>
-              <a:rPr lang="en-US" dirty="0" err="1"/>
-              <a:t>toString</a:t>
-            </a:r>
-            <a:r>
-              <a:rPr lang="en-US" dirty="0"/>
-              <a:t>());</a:t>
+              <a:t>(e1.getText().toString());</a:t>
             </a:r>
           </a:p>
           <a:p>
